--- a/Mittredovisningen.pptx
+++ b/Mittredovisningen.pptx
@@ -17,13 +17,14 @@
     <p:sldId id="261" r:id="rId11"/>
     <p:sldId id="270" r:id="rId12"/>
     <p:sldId id="278" r:id="rId13"/>
-    <p:sldId id="275" r:id="rId14"/>
-    <p:sldId id="277" r:id="rId15"/>
-    <p:sldId id="279" r:id="rId16"/>
-    <p:sldId id="280" r:id="rId17"/>
-    <p:sldId id="281" r:id="rId18"/>
-    <p:sldId id="282" r:id="rId19"/>
-    <p:sldId id="283" r:id="rId20"/>
+    <p:sldId id="284" r:id="rId14"/>
+    <p:sldId id="275" r:id="rId15"/>
+    <p:sldId id="277" r:id="rId16"/>
+    <p:sldId id="279" r:id="rId17"/>
+    <p:sldId id="280" r:id="rId18"/>
+    <p:sldId id="281" r:id="rId19"/>
+    <p:sldId id="282" r:id="rId20"/>
+    <p:sldId id="283" r:id="rId21"/>
   </p:sldIdLst>
   <p:sldSz cx="9144000" cy="6858000" type="screen4x3"/>
   <p:notesSz cx="6858000" cy="9144000"/>
@@ -3655,6 +3656,110 @@
           <a:bodyPr/>
           <a:lstStyle/>
           <a:p>
+            <a:endParaRPr lang="sv-SE"/>
+          </a:p>
+        </p:txBody>
+      </p:sp>
+      <p:pic>
+        <p:nvPicPr>
+          <p:cNvPr id="5" name="Content Placeholder 4"/>
+          <p:cNvPicPr>
+            <a:picLocks noGrp="1" noChangeAspect="1"/>
+          </p:cNvPicPr>
+          <p:nvPr>
+            <p:ph idx="1"/>
+          </p:nvPr>
+        </p:nvPicPr>
+        <p:blipFill>
+          <a:blip r:embed="rId2">
+            <a:extLst>
+              <a:ext uri="{28A0092B-C50C-407E-A947-70E740481C1C}">
+                <a14:useLocalDpi xmlns:a14="http://schemas.microsoft.com/office/drawing/2010/main" val="0"/>
+              </a:ext>
+            </a:extLst>
+          </a:blip>
+          <a:stretch>
+            <a:fillRect/>
+          </a:stretch>
+        </p:blipFill>
+        <p:spPr>
+          <a:xfrm>
+            <a:off x="3491880" y="620688"/>
+            <a:ext cx="2736304" cy="5472611"/>
+          </a:xfrm>
+        </p:spPr>
+      </p:pic>
+      <p:sp>
+        <p:nvSpPr>
+          <p:cNvPr id="4" name="Text Placeholder 3"/>
+          <p:cNvSpPr>
+            <a:spLocks noGrp="1"/>
+          </p:cNvSpPr>
+          <p:nvPr>
+            <p:ph type="body" sz="half" idx="2"/>
+          </p:nvPr>
+        </p:nvSpPr>
+        <p:spPr/>
+        <p:txBody>
+          <a:bodyPr/>
+          <a:lstStyle/>
+          <a:p>
+            <a:endParaRPr lang="sv-SE" dirty="0"/>
+          </a:p>
+        </p:txBody>
+      </p:sp>
+    </p:spTree>
+    <p:extLst>
+      <p:ext uri="{BB962C8B-B14F-4D97-AF65-F5344CB8AC3E}">
+        <p14:creationId xmlns:p14="http://schemas.microsoft.com/office/powerpoint/2010/main" val="1671363239"/>
+      </p:ext>
+    </p:extLst>
+  </p:cSld>
+  <p:clrMapOvr>
+    <a:masterClrMapping/>
+  </p:clrMapOvr>
+  <p:timing>
+    <p:tnLst>
+      <p:par>
+        <p:cTn id="1" dur="indefinite" restart="never" nodeType="tmRoot"/>
+      </p:par>
+    </p:tnLst>
+  </p:timing>
+</p:sld>
+</file>
+
+<file path=ppt/slides/slide14.xml><?xml version="1.0" encoding="utf-8"?>
+<p:sld xmlns:a="http://schemas.openxmlformats.org/drawingml/2006/main" xmlns:r="http://schemas.openxmlformats.org/officeDocument/2006/relationships" xmlns:p="http://schemas.openxmlformats.org/presentationml/2006/main">
+  <p:cSld>
+    <p:spTree>
+      <p:nvGrpSpPr>
+        <p:cNvPr id="1" name=""/>
+        <p:cNvGrpSpPr/>
+        <p:nvPr/>
+      </p:nvGrpSpPr>
+      <p:grpSpPr>
+        <a:xfrm>
+          <a:off x="0" y="0"/>
+          <a:ext cx="0" cy="0"/>
+          <a:chOff x="0" y="0"/>
+          <a:chExt cx="0" cy="0"/>
+        </a:xfrm>
+      </p:grpSpPr>
+      <p:sp>
+        <p:nvSpPr>
+          <p:cNvPr id="2" name="Title 1"/>
+          <p:cNvSpPr>
+            <a:spLocks noGrp="1"/>
+          </p:cNvSpPr>
+          <p:nvPr>
+            <p:ph type="title"/>
+          </p:nvPr>
+        </p:nvSpPr>
+        <p:spPr/>
+        <p:txBody>
+          <a:bodyPr/>
+          <a:lstStyle/>
+          <a:p>
             <a:r>
               <a:rPr lang="sv-SE" dirty="0" smtClean="0">
                 <a:solidFill>
@@ -3731,7 +3836,7 @@
 </p:sld>
 </file>
 
-<file path=ppt/slides/slide14.xml><?xml version="1.0" encoding="utf-8"?>
+<file path=ppt/slides/slide15.xml><?xml version="1.0" encoding="utf-8"?>
 <p:sld xmlns:a="http://schemas.openxmlformats.org/drawingml/2006/main" xmlns:r="http://schemas.openxmlformats.org/officeDocument/2006/relationships" xmlns:p="http://schemas.openxmlformats.org/presentationml/2006/main">
   <p:cSld>
     <p:spTree>
@@ -4017,7 +4122,7 @@
 </p:sld>
 </file>
 
-<file path=ppt/slides/slide15.xml><?xml version="1.0" encoding="utf-8"?>
+<file path=ppt/slides/slide16.xml><?xml version="1.0" encoding="utf-8"?>
 <p:sld xmlns:a="http://schemas.openxmlformats.org/drawingml/2006/main" xmlns:r="http://schemas.openxmlformats.org/officeDocument/2006/relationships" xmlns:p="http://schemas.openxmlformats.org/presentationml/2006/main">
   <p:cSld>
     <p:spTree>
@@ -4169,115 +4274,6 @@
 </p:sld>
 </file>
 
-<file path=ppt/slides/slide16.xml><?xml version="1.0" encoding="utf-8"?>
-<p:sld xmlns:a="http://schemas.openxmlformats.org/drawingml/2006/main" xmlns:r="http://schemas.openxmlformats.org/officeDocument/2006/relationships" xmlns:p="http://schemas.openxmlformats.org/presentationml/2006/main">
-  <p:cSld>
-    <p:spTree>
-      <p:nvGrpSpPr>
-        <p:cNvPr id="1" name=""/>
-        <p:cNvGrpSpPr/>
-        <p:nvPr/>
-      </p:nvGrpSpPr>
-      <p:grpSpPr>
-        <a:xfrm>
-          <a:off x="0" y="0"/>
-          <a:ext cx="0" cy="0"/>
-          <a:chOff x="0" y="0"/>
-          <a:chExt cx="0" cy="0"/>
-        </a:xfrm>
-      </p:grpSpPr>
-      <p:sp>
-        <p:nvSpPr>
-          <p:cNvPr id="2" name="Title 1"/>
-          <p:cNvSpPr>
-            <a:spLocks noGrp="1"/>
-          </p:cNvSpPr>
-          <p:nvPr>
-            <p:ph type="title"/>
-          </p:nvPr>
-        </p:nvSpPr>
-        <p:spPr/>
-        <p:txBody>
-          <a:bodyPr/>
-          <a:lstStyle/>
-          <a:p>
-            <a:r>
-              <a:rPr lang="sv-SE" sz="4800" b="1" dirty="0" smtClean="0">
-                <a:solidFill>
-                  <a:schemeClr val="bg1"/>
-                </a:solidFill>
-              </a:rPr>
-              <a:t>Filinläsning</a:t>
-            </a:r>
-            <a:endParaRPr lang="sv-SE" sz="4800" b="1" dirty="0">
-              <a:solidFill>
-                <a:schemeClr val="bg1"/>
-              </a:solidFill>
-            </a:endParaRPr>
-          </a:p>
-        </p:txBody>
-      </p:sp>
-      <p:sp>
-        <p:nvSpPr>
-          <p:cNvPr id="3" name="Content Placeholder 2"/>
-          <p:cNvSpPr>
-            <a:spLocks noGrp="1"/>
-          </p:cNvSpPr>
-          <p:nvPr>
-            <p:ph idx="1"/>
-          </p:nvPr>
-        </p:nvSpPr>
-        <p:spPr/>
-        <p:txBody>
-          <a:bodyPr/>
-          <a:lstStyle/>
-          <a:p>
-            <a:r>
-              <a:rPr lang="sv-SE" dirty="0" smtClean="0">
-                <a:solidFill>
-                  <a:schemeClr val="bg1"/>
-                </a:solidFill>
-              </a:rPr>
-              <a:t>Std::map för texturer</a:t>
-            </a:r>
-          </a:p>
-          <a:p>
-            <a:r>
-              <a:rPr lang="sv-SE" dirty="0" smtClean="0">
-                <a:solidFill>
-                  <a:schemeClr val="bg1"/>
-                </a:solidFill>
-              </a:rPr>
-              <a:t>Temporär kopia för sprite</a:t>
-            </a:r>
-            <a:endParaRPr lang="sv-SE" dirty="0">
-              <a:solidFill>
-                <a:schemeClr val="bg1"/>
-              </a:solidFill>
-            </a:endParaRPr>
-          </a:p>
-        </p:txBody>
-      </p:sp>
-    </p:spTree>
-    <p:extLst>
-      <p:ext uri="{BB962C8B-B14F-4D97-AF65-F5344CB8AC3E}">
-        <p14:creationId xmlns:p14="http://schemas.microsoft.com/office/powerpoint/2010/main" val="4021627248"/>
-      </p:ext>
-    </p:extLst>
-  </p:cSld>
-  <p:clrMapOvr>
-    <a:masterClrMapping/>
-  </p:clrMapOvr>
-  <p:timing>
-    <p:tnLst>
-      <p:par>
-        <p:cTn id="1" dur="indefinite" restart="never" nodeType="tmRoot"/>
-      </p:par>
-    </p:tnLst>
-  </p:timing>
-</p:sld>
-</file>
-
 <file path=ppt/slides/slide17.xml><?xml version="1.0" encoding="utf-8"?>
 <p:sld xmlns:a="http://schemas.openxmlformats.org/drawingml/2006/main" xmlns:r="http://schemas.openxmlformats.org/officeDocument/2006/relationships" xmlns:p="http://schemas.openxmlformats.org/presentationml/2006/main">
   <p:cSld>
@@ -4316,7 +4312,7 @@
                   <a:schemeClr val="bg1"/>
                 </a:solidFill>
               </a:rPr>
-              <a:t>XML</a:t>
+              <a:t>Filinläsning</a:t>
             </a:r>
             <a:endParaRPr lang="sv-SE" sz="4800" b="1" dirty="0">
               <a:solidFill>
@@ -4347,7 +4343,7 @@
                   <a:schemeClr val="bg1"/>
                 </a:solidFill>
               </a:rPr>
-              <a:t>Rapid XML</a:t>
+              <a:t>Std::map för texturer</a:t>
             </a:r>
           </a:p>
           <a:p>
@@ -4357,30 +4353,8 @@
                   <a:schemeClr val="bg1"/>
                 </a:solidFill>
               </a:rPr>
-              <a:t>Banor</a:t>
-            </a:r>
-          </a:p>
-          <a:p>
-            <a:r>
-              <a:rPr lang="sv-SE" dirty="0" smtClean="0">
-                <a:solidFill>
-                  <a:schemeClr val="bg1"/>
-                </a:solidFill>
-              </a:rPr>
-              <a:t>Mapeditor</a:t>
-            </a:r>
-          </a:p>
-          <a:p>
-            <a:r>
-              <a:rPr lang="sv-SE" dirty="0" smtClean="0">
-                <a:solidFill>
-                  <a:schemeClr val="bg1"/>
-                </a:solidFill>
-              </a:rPr>
-              <a:t>Ny funktion för varje klass</a:t>
-            </a:r>
-          </a:p>
-          <a:p>
+              <a:t>Temporär kopia för sprite</a:t>
+            </a:r>
             <a:endParaRPr lang="sv-SE" dirty="0">
               <a:solidFill>
                 <a:schemeClr val="bg1"/>
@@ -4392,7 +4366,7 @@
     </p:spTree>
     <p:extLst>
       <p:ext uri="{BB962C8B-B14F-4D97-AF65-F5344CB8AC3E}">
-        <p14:creationId xmlns:p14="http://schemas.microsoft.com/office/powerpoint/2010/main" val="2324406804"/>
+        <p14:creationId xmlns:p14="http://schemas.microsoft.com/office/powerpoint/2010/main" val="4021627248"/>
       </p:ext>
     </p:extLst>
   </p:cSld>
@@ -4447,7 +4421,7 @@
                   <a:schemeClr val="bg1"/>
                 </a:solidFill>
               </a:rPr>
-              <a:t>Github</a:t>
+              <a:t>XML</a:t>
             </a:r>
             <a:endParaRPr lang="sv-SE" sz="4800" b="1" dirty="0">
               <a:solidFill>
@@ -4478,7 +4452,7 @@
                   <a:schemeClr val="bg1"/>
                 </a:solidFill>
               </a:rPr>
-              <a:t>Dropbox</a:t>
+              <a:t>Rapid XML</a:t>
             </a:r>
           </a:p>
           <a:p>
@@ -4488,7 +4462,7 @@
                   <a:schemeClr val="bg1"/>
                 </a:solidFill>
               </a:rPr>
-              <a:t>Hela gruppen</a:t>
+              <a:t>Banor</a:t>
             </a:r>
           </a:p>
           <a:p>
@@ -4498,7 +4472,17 @@
                   <a:schemeClr val="bg1"/>
                 </a:solidFill>
               </a:rPr>
-              <a:t>Branches</a:t>
+              <a:t>Mapeditor</a:t>
+            </a:r>
+          </a:p>
+          <a:p>
+            <a:r>
+              <a:rPr lang="sv-SE" dirty="0" smtClean="0">
+                <a:solidFill>
+                  <a:schemeClr val="bg1"/>
+                </a:solidFill>
+              </a:rPr>
+              <a:t>Ny funktion för varje klass</a:t>
             </a:r>
           </a:p>
           <a:p>
@@ -4513,7 +4497,7 @@
     </p:spTree>
     <p:extLst>
       <p:ext uri="{BB962C8B-B14F-4D97-AF65-F5344CB8AC3E}">
-        <p14:creationId xmlns:p14="http://schemas.microsoft.com/office/powerpoint/2010/main" val="91748506"/>
+        <p14:creationId xmlns:p14="http://schemas.microsoft.com/office/powerpoint/2010/main" val="2324406804"/>
       </p:ext>
     </p:extLst>
   </p:cSld>
@@ -4559,9 +4543,7 @@
         </p:nvSpPr>
         <p:spPr/>
         <p:txBody>
-          <a:bodyPr>
-            <a:normAutofit/>
-          </a:bodyPr>
+          <a:bodyPr/>
           <a:lstStyle/>
           <a:p>
             <a:r>
@@ -4570,7 +4552,7 @@
                   <a:schemeClr val="bg1"/>
                 </a:solidFill>
               </a:rPr>
-              <a:t>Andra discipliner</a:t>
+              <a:t>Github</a:t>
             </a:r>
             <a:endParaRPr lang="sv-SE" sz="4800" b="1" dirty="0">
               <a:solidFill>
@@ -4601,7 +4583,7 @@
                   <a:schemeClr val="bg1"/>
                 </a:solidFill>
               </a:rPr>
-              <a:t>Namespace Eric</a:t>
+              <a:t>Dropbox</a:t>
             </a:r>
           </a:p>
           <a:p>
@@ -4611,7 +4593,7 @@
                   <a:schemeClr val="bg1"/>
                 </a:solidFill>
               </a:rPr>
-              <a:t>Spelbara versioner</a:t>
+              <a:t>Hela gruppen</a:t>
             </a:r>
           </a:p>
           <a:p>
@@ -4621,11 +4603,11 @@
                   <a:schemeClr val="bg1"/>
                 </a:solidFill>
               </a:rPr>
-              <a:t>Mappar för assets</a:t>
-            </a:r>
-          </a:p>
-          <a:p>
-            <a:endParaRPr lang="sv-SE" dirty="0" smtClean="0">
+              <a:t>Branches</a:t>
+            </a:r>
+          </a:p>
+          <a:p>
+            <a:endParaRPr lang="sv-SE" dirty="0">
               <a:solidFill>
                 <a:schemeClr val="bg1"/>
               </a:solidFill>
@@ -4636,7 +4618,7 @@
     </p:spTree>
     <p:extLst>
       <p:ext uri="{BB962C8B-B14F-4D97-AF65-F5344CB8AC3E}">
-        <p14:creationId xmlns:p14="http://schemas.microsoft.com/office/powerpoint/2010/main" val="2501903417"/>
+        <p14:creationId xmlns:p14="http://schemas.microsoft.com/office/powerpoint/2010/main" val="91748506"/>
       </p:ext>
     </p:extLst>
   </p:cSld>
@@ -5045,6 +5027,129 @@
 </p:sld>
 </file>
 
+<file path=ppt/slides/slide20.xml><?xml version="1.0" encoding="utf-8"?>
+<p:sld xmlns:a="http://schemas.openxmlformats.org/drawingml/2006/main" xmlns:r="http://schemas.openxmlformats.org/officeDocument/2006/relationships" xmlns:p="http://schemas.openxmlformats.org/presentationml/2006/main">
+  <p:cSld>
+    <p:spTree>
+      <p:nvGrpSpPr>
+        <p:cNvPr id="1" name=""/>
+        <p:cNvGrpSpPr/>
+        <p:nvPr/>
+      </p:nvGrpSpPr>
+      <p:grpSpPr>
+        <a:xfrm>
+          <a:off x="0" y="0"/>
+          <a:ext cx="0" cy="0"/>
+          <a:chOff x="0" y="0"/>
+          <a:chExt cx="0" cy="0"/>
+        </a:xfrm>
+      </p:grpSpPr>
+      <p:sp>
+        <p:nvSpPr>
+          <p:cNvPr id="2" name="Title 1"/>
+          <p:cNvSpPr>
+            <a:spLocks noGrp="1"/>
+          </p:cNvSpPr>
+          <p:nvPr>
+            <p:ph type="title"/>
+          </p:nvPr>
+        </p:nvSpPr>
+        <p:spPr/>
+        <p:txBody>
+          <a:bodyPr>
+            <a:normAutofit/>
+          </a:bodyPr>
+          <a:lstStyle/>
+          <a:p>
+            <a:r>
+              <a:rPr lang="sv-SE" sz="4800" b="1" dirty="0" smtClean="0">
+                <a:solidFill>
+                  <a:schemeClr val="bg1"/>
+                </a:solidFill>
+              </a:rPr>
+              <a:t>Andra discipliner</a:t>
+            </a:r>
+            <a:endParaRPr lang="sv-SE" sz="4800" b="1" dirty="0">
+              <a:solidFill>
+                <a:schemeClr val="bg1"/>
+              </a:solidFill>
+            </a:endParaRPr>
+          </a:p>
+        </p:txBody>
+      </p:sp>
+      <p:sp>
+        <p:nvSpPr>
+          <p:cNvPr id="3" name="Content Placeholder 2"/>
+          <p:cNvSpPr>
+            <a:spLocks noGrp="1"/>
+          </p:cNvSpPr>
+          <p:nvPr>
+            <p:ph idx="1"/>
+          </p:nvPr>
+        </p:nvSpPr>
+        <p:spPr/>
+        <p:txBody>
+          <a:bodyPr/>
+          <a:lstStyle/>
+          <a:p>
+            <a:r>
+              <a:rPr lang="sv-SE" dirty="0" smtClean="0">
+                <a:solidFill>
+                  <a:schemeClr val="bg1"/>
+                </a:solidFill>
+              </a:rPr>
+              <a:t>Namespace Eric</a:t>
+            </a:r>
+          </a:p>
+          <a:p>
+            <a:r>
+              <a:rPr lang="sv-SE" dirty="0" smtClean="0">
+                <a:solidFill>
+                  <a:schemeClr val="bg1"/>
+                </a:solidFill>
+              </a:rPr>
+              <a:t>Spelbara versioner</a:t>
+            </a:r>
+          </a:p>
+          <a:p>
+            <a:r>
+              <a:rPr lang="sv-SE" dirty="0" smtClean="0">
+                <a:solidFill>
+                  <a:schemeClr val="bg1"/>
+                </a:solidFill>
+              </a:rPr>
+              <a:t>Mappar för assets</a:t>
+            </a:r>
+          </a:p>
+          <a:p>
+            <a:endParaRPr lang="sv-SE" dirty="0" smtClean="0">
+              <a:solidFill>
+                <a:schemeClr val="bg1"/>
+              </a:solidFill>
+            </a:endParaRPr>
+          </a:p>
+        </p:txBody>
+      </p:sp>
+    </p:spTree>
+    <p:extLst>
+      <p:ext uri="{BB962C8B-B14F-4D97-AF65-F5344CB8AC3E}">
+        <p14:creationId xmlns:p14="http://schemas.microsoft.com/office/powerpoint/2010/main" val="2501903417"/>
+      </p:ext>
+    </p:extLst>
+  </p:cSld>
+  <p:clrMapOvr>
+    <a:masterClrMapping/>
+  </p:clrMapOvr>
+  <p:timing>
+    <p:tnLst>
+      <p:par>
+        <p:cTn id="1" dur="indefinite" restart="never" nodeType="tmRoot"/>
+      </p:par>
+    </p:tnLst>
+  </p:timing>
+</p:sld>
+</file>
+
 <file path=ppt/slides/slide3.xml><?xml version="1.0" encoding="utf-8"?>
 <p:sld xmlns:a="http://schemas.openxmlformats.org/drawingml/2006/main" xmlns:r="http://schemas.openxmlformats.org/officeDocument/2006/relationships" xmlns:p="http://schemas.openxmlformats.org/presentationml/2006/main">
   <p:cSld>
@@ -5083,7 +5188,7 @@
                   <a:schemeClr val="bg1"/>
                 </a:solidFill>
               </a:rPr>
-              <a:t>RobotSplit</a:t>
+              <a:t>Robot Split</a:t>
             </a:r>
             <a:endParaRPr lang="sv-SE" sz="4800" b="1" dirty="0">
               <a:solidFill>
@@ -5802,21 +5907,8 @@
                   <a:schemeClr val="bg1"/>
                 </a:solidFill>
               </a:rPr>
-              <a:t>C</a:t>
-            </a:r>
-            <a:r>
-              <a:rPr lang="sv-SE" sz="2000" b="1" dirty="0" smtClean="0">
-                <a:solidFill>
-                  <a:schemeClr val="bg1"/>
-                </a:solidFill>
-              </a:rPr>
-              <a:t>++/XML</a:t>
-            </a:r>
-            <a:endParaRPr lang="sv-SE" sz="2000" b="1" dirty="0" smtClean="0">
-              <a:solidFill>
-                <a:schemeClr val="bg1"/>
-              </a:solidFill>
-            </a:endParaRPr>
+              <a:t>C++/XML</a:t>
+            </a:r>
           </a:p>
           <a:p>
             <a:pPr marL="457200" indent="-457200">

--- a/Mittredovisningen.pptx
+++ b/Mittredovisningen.pptx
@@ -307,7 +307,7 @@
           <a:p>
             <a:fld id="{7316E94A-75CA-415A-8975-51788012BAF6}" type="datetimeFigureOut">
               <a:rPr lang="sv-SE" smtClean="0"/>
-              <a:t>2013-02-21</a:t>
+              <a:t>2013-03-04</a:t>
             </a:fld>
             <a:endParaRPr lang="sv-SE"/>
           </a:p>
@@ -477,7 +477,7 @@
           <a:p>
             <a:fld id="{7316E94A-75CA-415A-8975-51788012BAF6}" type="datetimeFigureOut">
               <a:rPr lang="sv-SE" smtClean="0"/>
-              <a:t>2013-02-21</a:t>
+              <a:t>2013-03-04</a:t>
             </a:fld>
             <a:endParaRPr lang="sv-SE"/>
           </a:p>
@@ -657,7 +657,7 @@
           <a:p>
             <a:fld id="{7316E94A-75CA-415A-8975-51788012BAF6}" type="datetimeFigureOut">
               <a:rPr lang="sv-SE" smtClean="0"/>
-              <a:t>2013-02-21</a:t>
+              <a:t>2013-03-04</a:t>
             </a:fld>
             <a:endParaRPr lang="sv-SE"/>
           </a:p>
@@ -827,7 +827,7 @@
           <a:p>
             <a:fld id="{7316E94A-75CA-415A-8975-51788012BAF6}" type="datetimeFigureOut">
               <a:rPr lang="sv-SE" smtClean="0"/>
-              <a:t>2013-02-21</a:t>
+              <a:t>2013-03-04</a:t>
             </a:fld>
             <a:endParaRPr lang="sv-SE"/>
           </a:p>
@@ -1073,7 +1073,7 @@
           <a:p>
             <a:fld id="{7316E94A-75CA-415A-8975-51788012BAF6}" type="datetimeFigureOut">
               <a:rPr lang="sv-SE" smtClean="0"/>
-              <a:t>2013-02-21</a:t>
+              <a:t>2013-03-04</a:t>
             </a:fld>
             <a:endParaRPr lang="sv-SE"/>
           </a:p>
@@ -1361,7 +1361,7 @@
           <a:p>
             <a:fld id="{7316E94A-75CA-415A-8975-51788012BAF6}" type="datetimeFigureOut">
               <a:rPr lang="sv-SE" smtClean="0"/>
-              <a:t>2013-02-21</a:t>
+              <a:t>2013-03-04</a:t>
             </a:fld>
             <a:endParaRPr lang="sv-SE"/>
           </a:p>
@@ -1783,7 +1783,7 @@
           <a:p>
             <a:fld id="{7316E94A-75CA-415A-8975-51788012BAF6}" type="datetimeFigureOut">
               <a:rPr lang="sv-SE" smtClean="0"/>
-              <a:t>2013-02-21</a:t>
+              <a:t>2013-03-04</a:t>
             </a:fld>
             <a:endParaRPr lang="sv-SE"/>
           </a:p>
@@ -1901,7 +1901,7 @@
           <a:p>
             <a:fld id="{7316E94A-75CA-415A-8975-51788012BAF6}" type="datetimeFigureOut">
               <a:rPr lang="sv-SE" smtClean="0"/>
-              <a:t>2013-02-21</a:t>
+              <a:t>2013-03-04</a:t>
             </a:fld>
             <a:endParaRPr lang="sv-SE"/>
           </a:p>
@@ -1996,7 +1996,7 @@
           <a:p>
             <a:fld id="{7316E94A-75CA-415A-8975-51788012BAF6}" type="datetimeFigureOut">
               <a:rPr lang="sv-SE" smtClean="0"/>
-              <a:t>2013-02-21</a:t>
+              <a:t>2013-03-04</a:t>
             </a:fld>
             <a:endParaRPr lang="sv-SE"/>
           </a:p>
@@ -2273,7 +2273,7 @@
           <a:p>
             <a:fld id="{7316E94A-75CA-415A-8975-51788012BAF6}" type="datetimeFigureOut">
               <a:rPr lang="sv-SE" smtClean="0"/>
-              <a:t>2013-02-21</a:t>
+              <a:t>2013-03-04</a:t>
             </a:fld>
             <a:endParaRPr lang="sv-SE"/>
           </a:p>
@@ -2526,7 +2526,7 @@
           <a:p>
             <a:fld id="{7316E94A-75CA-415A-8975-51788012BAF6}" type="datetimeFigureOut">
               <a:rPr lang="sv-SE" smtClean="0"/>
-              <a:t>2013-02-21</a:t>
+              <a:t>2013-03-04</a:t>
             </a:fld>
             <a:endParaRPr lang="sv-SE"/>
           </a:p>
@@ -2742,7 +2742,7 @@
           <a:p>
             <a:fld id="{7316E94A-75CA-415A-8975-51788012BAF6}" type="datetimeFigureOut">
               <a:rPr lang="sv-SE" smtClean="0"/>
-              <a:t>2013-02-21</a:t>
+              <a:t>2013-03-04</a:t>
             </a:fld>
             <a:endParaRPr lang="sv-SE"/>
           </a:p>
@@ -3798,7 +3798,7 @@
         </p:blipFill>
         <p:spPr bwMode="auto">
           <a:xfrm>
-            <a:off x="289712" y="692696"/>
+            <a:off x="289712" y="702262"/>
             <a:ext cx="8532946" cy="5688631"/>
           </a:xfrm>
           <a:prstGeom prst="rect">
